--- a/SamplePresentation.pptx
+++ b/SamplePresentation.pptx
@@ -972,14 +972,14 @@
         </p:nvSpPr>
         <p:spPr>
           <a:xfrm>
-            <a:off x="457200" y="228600"/>
-            <a:ext cx="5486400" cy="1371600"/>
+            <a:off x="0" y="0"/>
+            <a:ext cx="6858000" cy="0"/>
           </a:xfrm>
           <a:prstGeom prst="rect">
             <a:avLst/>
           </a:prstGeom>
           <a:solidFill>
-            <a:srgbClr val="305597"/>
+            <a:srgbClr val="FFFFFF"/>
           </a:solidFill>
           <a:ln/>
         </p:spPr>
@@ -987,21 +987,21 @@
           <a:bodyPr wrap="square" rtlCol="0" anchor="ctr"/>
           <a:lstStyle/>
           <a:p>
-            <a:pPr algn="ctr" indent="0" marL="0">
+            <a:pPr indent="0" marL="0">
               <a:buNone/>
             </a:pPr>
             <a:r>
-              <a:rPr lang="en-US" sz="4800" b="1" dirty="0">
+              <a:rPr lang="en-US" dirty="0">
                 <a:solidFill>
-                  <a:srgbClr val="FFFFFF"/>
+                  <a:srgbClr val="305597"/>
                 </a:solidFill>
-                <a:latin typeface="Arial" pitchFamily="34" charset="0"/>
-                <a:ea typeface="Arial" pitchFamily="34" charset="-122"/>
-                <a:cs typeface="Arial" pitchFamily="34" charset="-120"/>
+                <a:latin typeface="Roboto" pitchFamily="34" charset="0"/>
+                <a:ea typeface="Roboto" pitchFamily="34" charset="-122"/>
+                <a:cs typeface="Roboto" pitchFamily="34" charset="-120"/>
               </a:rPr>
               <a:t>Welcome to Our Presentation!</a:t>
             </a:r>
-            <a:endParaRPr lang="en-US" sz="4800" dirty="0"/>
+            <a:endParaRPr lang="en-US" dirty="0"/>
           </a:p>
         </p:txBody>
       </p:sp>
@@ -1038,14 +1038,14 @@
         </p:nvSpPr>
         <p:spPr>
           <a:xfrm>
-            <a:off x="457200" y="1600200"/>
-            <a:ext cx="5486400" cy="457200"/>
+            <a:off x="0" y="0"/>
+            <a:ext cx="6858000" cy="0"/>
           </a:xfrm>
           <a:prstGeom prst="rect">
             <a:avLst/>
           </a:prstGeom>
           <a:solidFill>
-            <a:srgbClr val="000000"/>
+            <a:srgbClr val="FFFFFF"/>
           </a:solidFill>
           <a:ln/>
         </p:spPr>
@@ -1053,21 +1053,21 @@
           <a:bodyPr wrap="square" rtlCol="0" anchor="ctr"/>
           <a:lstStyle/>
           <a:p>
-            <a:pPr algn="l" indent="0" marL="0">
+            <a:pPr indent="0" marL="0">
               <a:buNone/>
             </a:pPr>
             <a:r>
-              <a:rPr lang="en-US" sz="3200" b="1" dirty="0">
+              <a:rPr lang="en-US" dirty="0">
                 <a:solidFill>
                   <a:srgbClr val="305597"/>
                 </a:solidFill>
-                <a:latin typeface="Arial" pitchFamily="34" charset="0"/>
-                <a:ea typeface="Arial" pitchFamily="34" charset="-122"/>
-                <a:cs typeface="Arial" pitchFamily="34" charset="-120"/>
+                <a:latin typeface="Roboto" pitchFamily="34" charset="0"/>
+                <a:ea typeface="Roboto" pitchFamily="34" charset="-122"/>
+                <a:cs typeface="Roboto" pitchFamily="34" charset="-120"/>
               </a:rPr>
               <a:t>First Heading</a:t>
             </a:r>
-            <a:endParaRPr lang="en-US" sz="3200" dirty="0"/>
+            <a:endParaRPr lang="en-US" dirty="0"/>
           </a:p>
         </p:txBody>
       </p:sp>

--- a/SamplePresentation.pptx
+++ b/SamplePresentation.pptx
@@ -4,14 +4,16 @@
   <p:sldMasterIdLst>
     <p:sldMasterId id="2147483648" r:id="rId1"/>
   </p:sldMasterIdLst>
+  <p:notesMasterIdLst>
+    <p:notesMasterId r:id="rId6"/>
+  </p:notesMasterIdLst>
   <p:sldIdLst>
     <p:sldId id="256" r:id="rId2"/>
-    <p:sldId id="257" r:id="rId3"/>
+    <p:sldId id="259" r:id="rId3"/>
+    <p:sldId id="258" r:id="rId4"/>
+    <p:sldId id="257" r:id="rId5"/>
   </p:sldIdLst>
-  <p:notesMasterIdLst>
-    <p:notesMasterId r:id="rId4"/>
-  </p:notesMasterIdLst>
-  <p:sldSz cx="9144000" cy="5143500"/>
+  <p:sldSz cx="9144000" cy="5143500" type="screen16x9"/>
   <p:notesSz cx="5143500" cy="9144000"/>
   <p:defaultTextStyle>
     <a:lvl1pPr marL="0" algn="l" defTabSz="914400" rtl="0" eaLnBrk="1" latinLnBrk="0" hangingPunct="1">
@@ -105,6 +107,11 @@
       </a:defRPr>
     </a:lvl9pPr>
   </p:defaultTextStyle>
+  <p:extLst>
+    <p:ext uri="{EFAFB233-063F-42B5-8137-9DF3F51BA10A}">
+      <p15:sldGuideLst xmlns:p15="http://schemas.microsoft.com/office/powerpoint/2012/main"/>
+    </p:ext>
+  </p:extLst>
 </p:presentation>
 </file>
 
@@ -130,234 +137,10 @@
           <a:chExt cx="0" cy="0"/>
         </a:xfrm>
       </p:grpSpPr>
-      <p:sp>
-        <p:nvSpPr>
-          <p:cNvPr id="2" name="Header Placeholder 1"/>
-          <p:cNvSpPr>
-            <a:spLocks noGrp="1"/>
-          </p:cNvSpPr>
-          <p:nvPr>
-            <p:ph type="hdr" sz="quarter"/>
-          </p:nvPr>
-        </p:nvSpPr>
-        <p:spPr>
-          <a:xfrm>
-            <a:off x="0" y="0"/>
-            <a:ext cx="2971800" cy="458788"/>
-          </a:xfrm>
-          <a:prstGeom prst="rect">
-            <a:avLst/>
-          </a:prstGeom>
-        </p:spPr>
-        <p:txBody>
-          <a:bodyPr vert="horz" lIns="91440" tIns="45720" rIns="91440" bIns="45720" rtlCol="0"/>
-          <a:lstStyle>
-            <a:lvl1pPr algn="l">
-              <a:defRPr sz="1200"/>
-            </a:lvl1pPr>
-          </a:lstStyle>
-          <a:p>
-            <a:endParaRPr lang="en-US"/>
-          </a:p>
-        </p:txBody>
-      </p:sp>
-      <p:sp>
-        <p:nvSpPr>
-          <p:cNvPr id="3" name="Date Placeholder 2"/>
-          <p:cNvSpPr>
-            <a:spLocks noGrp="1"/>
-          </p:cNvSpPr>
-          <p:nvPr>
-            <p:ph type="dt" idx="1"/>
-          </p:nvPr>
-        </p:nvSpPr>
-        <p:spPr>
-          <a:xfrm>
-            <a:off x="3884613" y="0"/>
-            <a:ext cx="2971800" cy="458788"/>
-          </a:xfrm>
-          <a:prstGeom prst="rect">
-            <a:avLst/>
-          </a:prstGeom>
-        </p:spPr>
-        <p:txBody>
-          <a:bodyPr vert="horz" lIns="91440" tIns="45720" rIns="91440" bIns="45720" rtlCol="0"/>
-          <a:lstStyle>
-            <a:lvl1pPr algn="r">
-              <a:defRPr sz="1200"/>
-            </a:lvl1pPr>
-          </a:lstStyle>
-          <a:p>
-            <a:fld id="{5282F153-3F37-0F45-9E97-73ACFA13230C}" type="datetimeFigureOut">
-              <a:rPr lang="en-US"/>
-              <a:t>7/23/19</a:t>
-            </a:fld>
-            <a:endParaRPr lang="en-US"/>
-          </a:p>
-        </p:txBody>
-      </p:sp>
-      <p:sp>
-        <p:nvSpPr>
-          <p:cNvPr id="4" name="Slide Image Placeholder 3"/>
-          <p:cNvSpPr>
-            <a:spLocks noGrp="1" noRot="1" noChangeAspect="1"/>
-          </p:cNvSpPr>
-          <p:nvPr>
-            <p:ph type="sldImg" idx="2"/>
-          </p:nvPr>
-        </p:nvSpPr>
-        <p:spPr>
-          <a:xfrm>
-            <a:off x="685800" y="1143000"/>
-            <a:ext cx="5486400" cy="3086100"/>
-          </a:xfrm>
-          <a:prstGeom prst="rect">
-            <a:avLst/>
-          </a:prstGeom>
-          <a:noFill/>
-          <a:ln w="12700">
-            <a:solidFill>
-              <a:prstClr val="black"/>
-            </a:solidFill>
-          </a:ln>
-        </p:spPr>
-        <p:txBody>
-          <a:bodyPr vert="horz" lIns="91440" tIns="45720" rIns="91440" bIns="45720" rtlCol="0" anchor="ctr"/>
-          <a:lstStyle/>
-          <a:p>
-            <a:endParaRPr lang="en-US"/>
-          </a:p>
-        </p:txBody>
-      </p:sp>
-      <p:sp>
-        <p:nvSpPr>
-          <p:cNvPr id="5" name="Notes Placeholder 4"/>
-          <p:cNvSpPr>
-            <a:spLocks noGrp="1"/>
-          </p:cNvSpPr>
-          <p:nvPr>
-            <p:ph type="body" sz="quarter" idx="3"/>
-          </p:nvPr>
-        </p:nvSpPr>
-        <p:spPr>
-          <a:xfrm>
-            <a:off x="685800" y="4400550"/>
-            <a:ext cx="5486400" cy="3600450"/>
-          </a:xfrm>
-          <a:prstGeom prst="rect">
-            <a:avLst/>
-          </a:prstGeom>
-        </p:spPr>
-        <p:txBody>
-          <a:bodyPr vert="horz" lIns="91440" tIns="45720" rIns="91440" bIns="45720" rtlCol="0"/>
-          <a:lstStyle/>
-          <a:p>
-            <a:pPr lvl="0"/>
-            <a:r>
-              <a:rPr lang="en-US"/>
-              <a:t>Click to edit Master text styles</a:t>
-            </a:r>
-          </a:p>
-          <a:p>
-            <a:pPr lvl="1"/>
-            <a:r>
-              <a:rPr lang="en-US"/>
-              <a:t>Second level</a:t>
-            </a:r>
-          </a:p>
-          <a:p>
-            <a:pPr lvl="2"/>
-            <a:r>
-              <a:rPr lang="en-US"/>
-              <a:t>Third level</a:t>
-            </a:r>
-          </a:p>
-          <a:p>
-            <a:pPr lvl="3"/>
-            <a:r>
-              <a:rPr lang="en-US"/>
-              <a:t>Fourth level</a:t>
-            </a:r>
-          </a:p>
-          <a:p>
-            <a:pPr lvl="4"/>
-            <a:r>
-              <a:rPr lang="en-US"/>
-              <a:t>Fifth level</a:t>
-            </a:r>
-          </a:p>
-        </p:txBody>
-      </p:sp>
-      <p:sp>
-        <p:nvSpPr>
-          <p:cNvPr id="6" name="Footer Placeholder 5"/>
-          <p:cNvSpPr>
-            <a:spLocks noGrp="1"/>
-          </p:cNvSpPr>
-          <p:nvPr>
-            <p:ph type="ftr" sz="quarter" idx="4"/>
-          </p:nvPr>
-        </p:nvSpPr>
-        <p:spPr>
-          <a:xfrm>
-            <a:off x="0" y="8685213"/>
-            <a:ext cx="2971800" cy="458787"/>
-          </a:xfrm>
-          <a:prstGeom prst="rect">
-            <a:avLst/>
-          </a:prstGeom>
-        </p:spPr>
-        <p:txBody>
-          <a:bodyPr vert="horz" lIns="91440" tIns="45720" rIns="91440" bIns="45720" rtlCol="0" anchor="b"/>
-          <a:lstStyle>
-            <a:lvl1pPr algn="l">
-              <a:defRPr sz="1200"/>
-            </a:lvl1pPr>
-          </a:lstStyle>
-          <a:p>
-            <a:endParaRPr lang="en-US"/>
-          </a:p>
-        </p:txBody>
-      </p:sp>
-      <p:sp>
-        <p:nvSpPr>
-          <p:cNvPr id="7" name="Slide Number Placeholder 6"/>
-          <p:cNvSpPr>
-            <a:spLocks noGrp="1"/>
-          </p:cNvSpPr>
-          <p:nvPr>
-            <p:ph type="sldNum" sz="quarter" idx="5"/>
-          </p:nvPr>
-        </p:nvSpPr>
-        <p:spPr>
-          <a:xfrm>
-            <a:off x="3884613" y="8685213"/>
-            <a:ext cx="2971800" cy="458787"/>
-          </a:xfrm>
-          <a:prstGeom prst="rect">
-            <a:avLst/>
-          </a:prstGeom>
-        </p:spPr>
-        <p:txBody>
-          <a:bodyPr vert="horz" lIns="91440" tIns="45720" rIns="91440" bIns="45720" rtlCol="0" anchor="b"/>
-          <a:lstStyle>
-            <a:lvl1pPr algn="r">
-              <a:defRPr sz="1200"/>
-            </a:lvl1pPr>
-          </a:lstStyle>
-          <a:p>
-            <a:fld id="{CE5E9CC1-C706-0F49-92D6-E571CC5EEA8F}" type="slidenum">
-              <a:rPr lang="en-US"/>
-              <a:t>‹#›</a:t>
-            </a:fld>
-            <a:endParaRPr lang="en-US"/>
-          </a:p>
-        </p:txBody>
-      </p:sp>
     </p:spTree>
     <p:extLst>
       <p:ext uri="{BB962C8B-B14F-4D97-AF65-F5344CB8AC3E}">
-        <p14:creationId xmlns:p14="http://schemas.microsoft.com/office/powerpoint/2010/main" val="1024086991"/>
+        <p14:creationId xmlns:p14="http://schemas.microsoft.com/office/powerpoint/2010/main" val="3371536403"/>
       </p:ext>
     </p:extLst>
   </p:cSld>
@@ -501,10 +284,6 @@
           <a:bodyPr/>
           <a:lstStyle/>
           <a:p>
-            <a:r>
-              <a:rPr lang="en-US" dirty="0"/>
-              <a:t/>
-            </a:r>
             <a:endParaRPr lang="en-US" dirty="0"/>
           </a:p>
         </p:txBody>
@@ -589,10 +368,6 @@
           <a:bodyPr/>
           <a:lstStyle/>
           <a:p>
-            <a:r>
-              <a:rPr lang="en-US" dirty="0"/>
-              <a:t/>
-            </a:r>
             <a:endParaRPr lang="en-US" dirty="0"/>
           </a:p>
         </p:txBody>
@@ -614,7 +389,7 @@
           <a:p>
             <a:fld id="{F7021451-1387-4CA6-816F-3879F97B5CBC}" type="slidenum">
               <a:rPr lang="en-US"/>
-              <a:t>2</a:t>
+              <a:t>4</a:t>
             </a:fld>
             <a:endParaRPr lang="en-US"/>
           </a:p>
@@ -666,6 +441,11 @@
 <file path=ppt/slideMasters/slideMaster1.xml><?xml version="1.0" encoding="utf-8"?>
 <p:sldMaster xmlns:a="http://schemas.openxmlformats.org/drawingml/2006/main" xmlns:r="http://schemas.openxmlformats.org/officeDocument/2006/relationships" xmlns:p="http://schemas.openxmlformats.org/presentationml/2006/main">
   <p:cSld>
+    <p:bg>
+      <p:bgRef idx="1001">
+        <a:schemeClr val="bg1"/>
+      </p:bgRef>
+    </p:bg>
     <p:spTree>
       <p:nvGrpSpPr>
         <p:cNvPr id="1" name=""/>
@@ -948,6 +728,7 @@
         <a:solidFill>
           <a:srgbClr val="305597"/>
         </a:solidFill>
+        <a:effectLst/>
       </p:bgPr>
     </p:bg>
     <p:spTree>
@@ -972,36 +753,34 @@
         </p:nvSpPr>
         <p:spPr>
           <a:xfrm>
-            <a:off x="0" y="0"/>
-            <a:ext cx="6858000" cy="0"/>
+            <a:off x="2192785" y="1657350"/>
+            <a:ext cx="4572000" cy="1828800"/>
           </a:xfrm>
           <a:prstGeom prst="rect">
             <a:avLst/>
           </a:prstGeom>
-          <a:solidFill>
-            <a:srgbClr val="FFFFFF"/>
-          </a:solidFill>
+          <a:noFill/>
           <a:ln/>
         </p:spPr>
         <p:txBody>
           <a:bodyPr wrap="square" rtlCol="0" anchor="ctr"/>
           <a:lstStyle/>
           <a:p>
-            <a:pPr indent="0" marL="0">
+            <a:pPr marL="0" indent="0" algn="ctr">
               <a:buNone/>
             </a:pPr>
             <a:r>
-              <a:rPr lang="en-US" dirty="0">
+              <a:rPr lang="en-US" sz="4800" b="1" dirty="0">
                 <a:solidFill>
-                  <a:srgbClr val="305597"/>
+                  <a:srgbClr val="FFFFFF"/>
                 </a:solidFill>
                 <a:latin typeface="Roboto" pitchFamily="34" charset="0"/>
                 <a:ea typeface="Roboto" pitchFamily="34" charset="-122"/>
                 <a:cs typeface="Roboto" pitchFamily="34" charset="-120"/>
               </a:rPr>
-              <a:t>Welcome to Our Presentation!</a:t>
+              <a:t>Title Title Title</a:t>
             </a:r>
-            <a:endParaRPr lang="en-US" dirty="0"/>
+            <a:endParaRPr lang="en-US" sz="4800" dirty="0"/>
           </a:p>
         </p:txBody>
       </p:sp>
@@ -1014,6 +793,197 @@
 </file>
 
 <file path=ppt/slides/slide2.xml><?xml version="1.0" encoding="utf-8"?>
+<p:sld xmlns:a="http://schemas.openxmlformats.org/drawingml/2006/main" xmlns:r="http://schemas.openxmlformats.org/officeDocument/2006/relationships" xmlns:p="http://schemas.openxmlformats.org/presentationml/2006/main">
+  <p:cSld>
+    <p:spTree>
+      <p:nvGrpSpPr>
+        <p:cNvPr id="1" name=""/>
+        <p:cNvGrpSpPr/>
+        <p:nvPr/>
+      </p:nvGrpSpPr>
+      <p:grpSpPr>
+        <a:xfrm>
+          <a:off x="0" y="0"/>
+          <a:ext cx="0" cy="0"/>
+          <a:chOff x="0" y="0"/>
+          <a:chExt cx="0" cy="0"/>
+        </a:xfrm>
+      </p:grpSpPr>
+    </p:spTree>
+    <p:extLst>
+      <p:ext uri="{BB962C8B-B14F-4D97-AF65-F5344CB8AC3E}">
+        <p14:creationId xmlns:p14="http://schemas.microsoft.com/office/powerpoint/2010/main" val="1235615735"/>
+      </p:ext>
+    </p:extLst>
+  </p:cSld>
+  <p:clrMapOvr>
+    <a:masterClrMapping/>
+  </p:clrMapOvr>
+</p:sld>
+</file>
+
+<file path=ppt/slides/slide3.xml><?xml version="1.0" encoding="utf-8"?>
+<p:sld xmlns:a="http://schemas.openxmlformats.org/drawingml/2006/main" xmlns:r="http://schemas.openxmlformats.org/officeDocument/2006/relationships" xmlns:p="http://schemas.openxmlformats.org/presentationml/2006/main">
+  <p:cSld>
+    <p:spTree>
+      <p:nvGrpSpPr>
+        <p:cNvPr id="1" name=""/>
+        <p:cNvGrpSpPr/>
+        <p:nvPr/>
+      </p:nvGrpSpPr>
+      <p:grpSpPr>
+        <a:xfrm>
+          <a:off x="0" y="0"/>
+          <a:ext cx="0" cy="0"/>
+          <a:chOff x="0" y="0"/>
+          <a:chExt cx="0" cy="0"/>
+        </a:xfrm>
+      </p:grpSpPr>
+      <p:sp>
+        <p:nvSpPr>
+          <p:cNvPr id="2" name="TextBox 1">
+            <a:extLst>
+              <a:ext uri="{FF2B5EF4-FFF2-40B4-BE49-F238E27FC236}">
+                <a16:creationId xmlns:a16="http://schemas.microsoft.com/office/drawing/2014/main" id="{A3237BF3-B524-0F2F-72F7-8067F82671F4}"/>
+              </a:ext>
+            </a:extLst>
+          </p:cNvPr>
+          <p:cNvSpPr txBox="1"/>
+          <p:nvPr/>
+        </p:nvSpPr>
+        <p:spPr>
+          <a:xfrm>
+            <a:off x="124287" y="0"/>
+            <a:ext cx="8096200" cy="461665"/>
+          </a:xfrm>
+          <a:prstGeom prst="rect">
+            <a:avLst/>
+          </a:prstGeom>
+          <a:noFill/>
+        </p:spPr>
+        <p:txBody>
+          <a:bodyPr wrap="square" rtlCol="0">
+            <a:spAutoFit/>
+          </a:bodyPr>
+          <a:lstStyle/>
+          <a:p>
+            <a:r>
+              <a:rPr lang="en-VN" sz="2400" dirty="0">
+                <a:solidFill>
+                  <a:srgbClr val="305597"/>
+                </a:solidFill>
+                <a:latin typeface="Roboto" panose="02000000000000000000" pitchFamily="2" charset="0"/>
+                <a:ea typeface="Roboto" panose="02000000000000000000" pitchFamily="2" charset="0"/>
+                <a:cs typeface="Roboto" panose="02000000000000000000" pitchFamily="2" charset="0"/>
+              </a:rPr>
+              <a:t>Brand Introduction</a:t>
+            </a:r>
+          </a:p>
+        </p:txBody>
+      </p:sp>
+      <p:sp>
+        <p:nvSpPr>
+          <p:cNvPr id="3" name="TextBox 2">
+            <a:extLst>
+              <a:ext uri="{FF2B5EF4-FFF2-40B4-BE49-F238E27FC236}">
+                <a16:creationId xmlns:a16="http://schemas.microsoft.com/office/drawing/2014/main" id="{500C3252-EDA3-09A9-EC69-2658E73ED5C1}"/>
+              </a:ext>
+            </a:extLst>
+          </p:cNvPr>
+          <p:cNvSpPr txBox="1"/>
+          <p:nvPr/>
+        </p:nvSpPr>
+        <p:spPr>
+          <a:xfrm>
+            <a:off x="629788" y="1412373"/>
+            <a:ext cx="671979" cy="369332"/>
+          </a:xfrm>
+          <a:prstGeom prst="rect">
+            <a:avLst/>
+          </a:prstGeom>
+          <a:noFill/>
+        </p:spPr>
+        <p:txBody>
+          <a:bodyPr wrap="square" rtlCol="0">
+            <a:spAutoFit/>
+          </a:bodyPr>
+          <a:lstStyle/>
+          <a:p>
+            <a:r>
+              <a:rPr lang="en-VN" dirty="0"/>
+              <a:t>Hello</a:t>
+            </a:r>
+          </a:p>
+        </p:txBody>
+      </p:sp>
+      <p:sp>
+        <p:nvSpPr>
+          <p:cNvPr id="4" name="Rectangle 3">
+            <a:extLst>
+              <a:ext uri="{FF2B5EF4-FFF2-40B4-BE49-F238E27FC236}">
+                <a16:creationId xmlns:a16="http://schemas.microsoft.com/office/drawing/2014/main" id="{865B09FF-1984-D67A-16B2-34311291A334}"/>
+              </a:ext>
+            </a:extLst>
+          </p:cNvPr>
+          <p:cNvSpPr/>
+          <p:nvPr/>
+        </p:nvSpPr>
+        <p:spPr>
+          <a:xfrm>
+            <a:off x="1" y="0"/>
+            <a:ext cx="124286" cy="5282214"/>
+          </a:xfrm>
+          <a:prstGeom prst="rect">
+            <a:avLst/>
+          </a:prstGeom>
+          <a:solidFill>
+            <a:srgbClr val="305598"/>
+          </a:solidFill>
+          <a:ln>
+            <a:solidFill>
+              <a:srgbClr val="305598"/>
+            </a:solidFill>
+          </a:ln>
+        </p:spPr>
+        <p:style>
+          <a:lnRef idx="2">
+            <a:schemeClr val="accent1">
+              <a:shade val="15000"/>
+            </a:schemeClr>
+          </a:lnRef>
+          <a:fillRef idx="1">
+            <a:schemeClr val="accent1"/>
+          </a:fillRef>
+          <a:effectRef idx="0">
+            <a:schemeClr val="accent1"/>
+          </a:effectRef>
+          <a:fontRef idx="minor">
+            <a:schemeClr val="lt1"/>
+          </a:fontRef>
+        </p:style>
+        <p:txBody>
+          <a:bodyPr rtlCol="0" anchor="ctr"/>
+          <a:lstStyle/>
+          <a:p>
+            <a:pPr algn="ctr"/>
+            <a:endParaRPr lang="en-VN"/>
+          </a:p>
+        </p:txBody>
+      </p:sp>
+    </p:spTree>
+    <p:extLst>
+      <p:ext uri="{BB962C8B-B14F-4D97-AF65-F5344CB8AC3E}">
+        <p14:creationId xmlns:p14="http://schemas.microsoft.com/office/powerpoint/2010/main" val="2164056994"/>
+      </p:ext>
+    </p:extLst>
+  </p:cSld>
+  <p:clrMapOvr>
+    <a:masterClrMapping/>
+  </p:clrMapOvr>
+</p:sld>
+</file>
+
+<file path=ppt/slides/slide4.xml><?xml version="1.0" encoding="utf-8"?>
 <p:sld xmlns:a="http://schemas.openxmlformats.org/drawingml/2006/main" xmlns:r="http://schemas.openxmlformats.org/officeDocument/2006/relationships" xmlns:p="http://schemas.openxmlformats.org/presentationml/2006/main">
   <p:cSld name="Slide 2">
     <p:spTree>
@@ -1053,11 +1023,11 @@
           <a:bodyPr wrap="square" rtlCol="0" anchor="ctr"/>
           <a:lstStyle/>
           <a:p>
-            <a:pPr indent="0" marL="0">
+            <a:pPr marL="0" indent="0" algn="l">
               <a:buNone/>
             </a:pPr>
             <a:r>
-              <a:rPr lang="en-US" dirty="0">
+              <a:rPr lang="en-US" sz="3200" b="1" dirty="0">
                 <a:solidFill>
                   <a:srgbClr val="305597"/>
                 </a:solidFill>
@@ -1067,7 +1037,7 @@
               </a:rPr>
               <a:t>First Heading</a:t>
             </a:r>
-            <a:endParaRPr lang="en-US" dirty="0"/>
+            <a:endParaRPr lang="en-US" sz="3200" dirty="0"/>
           </a:p>
         </p:txBody>
       </p:sp>
@@ -1372,4 +1342,319 @@
     </a:ext>
   </a:extLst>
 </a:theme>
+</file>
+
+<file path=ppt/theme/theme2.xml><?xml version="1.0" encoding="utf-8"?>
+<a:theme xmlns:a="http://schemas.openxmlformats.org/drawingml/2006/main" name="Office Theme">
+  <a:themeElements>
+    <a:clrScheme name="Office">
+      <a:dk1>
+        <a:sysClr val="windowText" lastClr="000000"/>
+      </a:dk1>
+      <a:lt1>
+        <a:sysClr val="window" lastClr="FFFFFF"/>
+      </a:lt1>
+      <a:dk2>
+        <a:srgbClr val="0E2841"/>
+      </a:dk2>
+      <a:lt2>
+        <a:srgbClr val="E8E8E8"/>
+      </a:lt2>
+      <a:accent1>
+        <a:srgbClr val="156082"/>
+      </a:accent1>
+      <a:accent2>
+        <a:srgbClr val="E97132"/>
+      </a:accent2>
+      <a:accent3>
+        <a:srgbClr val="196B24"/>
+      </a:accent3>
+      <a:accent4>
+        <a:srgbClr val="0F9ED5"/>
+      </a:accent4>
+      <a:accent5>
+        <a:srgbClr val="A02B93"/>
+      </a:accent5>
+      <a:accent6>
+        <a:srgbClr val="4EA72E"/>
+      </a:accent6>
+      <a:hlink>
+        <a:srgbClr val="467886"/>
+      </a:hlink>
+      <a:folHlink>
+        <a:srgbClr val="96607D"/>
+      </a:folHlink>
+    </a:clrScheme>
+    <a:fontScheme name="Office">
+      <a:majorFont>
+        <a:latin typeface="Aptos Display" panose="02110004020202020204"/>
+        <a:ea typeface=""/>
+        <a:cs typeface=""/>
+        <a:font script="Jpan" typeface="游ゴシック Light"/>
+        <a:font script="Hang" typeface="맑은 고딕"/>
+        <a:font script="Hans" typeface="等线 Light"/>
+        <a:font script="Hant" typeface="新細明體"/>
+        <a:font script="Arab" typeface="Times New Roman"/>
+        <a:font script="Hebr" typeface="Times New Roman"/>
+        <a:font script="Thai" typeface="Angsana New"/>
+        <a:font script="Ethi" typeface="Nyala"/>
+        <a:font script="Beng" typeface="Vrinda"/>
+        <a:font script="Gujr" typeface="Shruti"/>
+        <a:font script="Khmr" typeface="MoolBoran"/>
+        <a:font script="Knda" typeface="Tunga"/>
+        <a:font script="Guru" typeface="Raavi"/>
+        <a:font script="Cans" typeface="Euphemia"/>
+        <a:font script="Cher" typeface="Plantagenet Cherokee"/>
+        <a:font script="Yiii" typeface="Microsoft Yi Baiti"/>
+        <a:font script="Tibt" typeface="Microsoft Himalaya"/>
+        <a:font script="Thaa" typeface="MV Boli"/>
+        <a:font script="Deva" typeface="Mangal"/>
+        <a:font script="Telu" typeface="Gautami"/>
+        <a:font script="Taml" typeface="Latha"/>
+        <a:font script="Syrc" typeface="Estrangelo Edessa"/>
+        <a:font script="Orya" typeface="Kalinga"/>
+        <a:font script="Mlym" typeface="Kartika"/>
+        <a:font script="Laoo" typeface="DokChampa"/>
+        <a:font script="Sinh" typeface="Iskoola Pota"/>
+        <a:font script="Mong" typeface="Mongolian Baiti"/>
+        <a:font script="Viet" typeface="Times New Roman"/>
+        <a:font script="Uigh" typeface="Microsoft Uighur"/>
+        <a:font script="Geor" typeface="Sylfaen"/>
+        <a:font script="Armn" typeface="Arial"/>
+        <a:font script="Bugi" typeface="Leelawadee UI"/>
+        <a:font script="Bopo" typeface="Microsoft JhengHei"/>
+        <a:font script="Java" typeface="Javanese Text"/>
+        <a:font script="Lisu" typeface="Segoe UI"/>
+        <a:font script="Mymr" typeface="Myanmar Text"/>
+        <a:font script="Nkoo" typeface="Ebrima"/>
+        <a:font script="Olck" typeface="Nirmala UI"/>
+        <a:font script="Osma" typeface="Ebrima"/>
+        <a:font script="Phag" typeface="Phagspa"/>
+        <a:font script="Syrn" typeface="Estrangelo Edessa"/>
+        <a:font script="Syrj" typeface="Estrangelo Edessa"/>
+        <a:font script="Syre" typeface="Estrangelo Edessa"/>
+        <a:font script="Sora" typeface="Nirmala UI"/>
+        <a:font script="Tale" typeface="Microsoft Tai Le"/>
+        <a:font script="Talu" typeface="Microsoft New Tai Lue"/>
+        <a:font script="Tfng" typeface="Ebrima"/>
+      </a:majorFont>
+      <a:minorFont>
+        <a:latin typeface="Aptos" panose="02110004020202020204"/>
+        <a:ea typeface=""/>
+        <a:cs typeface=""/>
+        <a:font script="Jpan" typeface="游ゴシック"/>
+        <a:font script="Hang" typeface="맑은 고딕"/>
+        <a:font script="Hans" typeface="等线"/>
+        <a:font script="Hant" typeface="新細明體"/>
+        <a:font script="Arab" typeface="Arial"/>
+        <a:font script="Hebr" typeface="Arial"/>
+        <a:font script="Thai" typeface="Cordia New"/>
+        <a:font script="Ethi" typeface="Nyala"/>
+        <a:font script="Beng" typeface="Vrinda"/>
+        <a:font script="Gujr" typeface="Shruti"/>
+        <a:font script="Khmr" typeface="DaunPenh"/>
+        <a:font script="Knda" typeface="Tunga"/>
+        <a:font script="Guru" typeface="Raavi"/>
+        <a:font script="Cans" typeface="Euphemia"/>
+        <a:font script="Cher" typeface="Plantagenet Cherokee"/>
+        <a:font script="Yiii" typeface="Microsoft Yi Baiti"/>
+        <a:font script="Tibt" typeface="Microsoft Himalaya"/>
+        <a:font script="Thaa" typeface="MV Boli"/>
+        <a:font script="Deva" typeface="Mangal"/>
+        <a:font script="Telu" typeface="Gautami"/>
+        <a:font script="Taml" typeface="Latha"/>
+        <a:font script="Syrc" typeface="Estrangelo Edessa"/>
+        <a:font script="Orya" typeface="Kalinga"/>
+        <a:font script="Mlym" typeface="Kartika"/>
+        <a:font script="Laoo" typeface="DokChampa"/>
+        <a:font script="Sinh" typeface="Iskoola Pota"/>
+        <a:font script="Mong" typeface="Mongolian Baiti"/>
+        <a:font script="Viet" typeface="Arial"/>
+        <a:font script="Uigh" typeface="Microsoft Uighur"/>
+        <a:font script="Geor" typeface="Sylfaen"/>
+        <a:font script="Armn" typeface="Arial"/>
+        <a:font script="Bugi" typeface="Leelawadee UI"/>
+        <a:font script="Bopo" typeface="Microsoft JhengHei"/>
+        <a:font script="Java" typeface="Javanese Text"/>
+        <a:font script="Lisu" typeface="Segoe UI"/>
+        <a:font script="Mymr" typeface="Myanmar Text"/>
+        <a:font script="Nkoo" typeface="Ebrima"/>
+        <a:font script="Olck" typeface="Nirmala UI"/>
+        <a:font script="Osma" typeface="Ebrima"/>
+        <a:font script="Phag" typeface="Phagspa"/>
+        <a:font script="Syrn" typeface="Estrangelo Edessa"/>
+        <a:font script="Syrj" typeface="Estrangelo Edessa"/>
+        <a:font script="Syre" typeface="Estrangelo Edessa"/>
+        <a:font script="Sora" typeface="Nirmala UI"/>
+        <a:font script="Tale" typeface="Microsoft Tai Le"/>
+        <a:font script="Talu" typeface="Microsoft New Tai Lue"/>
+        <a:font script="Tfng" typeface="Ebrima"/>
+      </a:minorFont>
+    </a:fontScheme>
+    <a:fmtScheme name="Office">
+      <a:fillStyleLst>
+        <a:solidFill>
+          <a:schemeClr val="phClr"/>
+        </a:solidFill>
+        <a:gradFill rotWithShape="1">
+          <a:gsLst>
+            <a:gs pos="0">
+              <a:schemeClr val="phClr">
+                <a:lumMod val="110000"/>
+                <a:satMod val="105000"/>
+                <a:tint val="67000"/>
+              </a:schemeClr>
+            </a:gs>
+            <a:gs pos="50000">
+              <a:schemeClr val="phClr">
+                <a:lumMod val="105000"/>
+                <a:satMod val="103000"/>
+                <a:tint val="73000"/>
+              </a:schemeClr>
+            </a:gs>
+            <a:gs pos="100000">
+              <a:schemeClr val="phClr">
+                <a:lumMod val="105000"/>
+                <a:satMod val="109000"/>
+                <a:tint val="81000"/>
+              </a:schemeClr>
+            </a:gs>
+          </a:gsLst>
+          <a:lin ang="5400000" scaled="0"/>
+        </a:gradFill>
+        <a:gradFill rotWithShape="1">
+          <a:gsLst>
+            <a:gs pos="0">
+              <a:schemeClr val="phClr">
+                <a:satMod val="103000"/>
+                <a:lumMod val="102000"/>
+                <a:tint val="94000"/>
+              </a:schemeClr>
+            </a:gs>
+            <a:gs pos="50000">
+              <a:schemeClr val="phClr">
+                <a:satMod val="110000"/>
+                <a:lumMod val="100000"/>
+                <a:shade val="100000"/>
+              </a:schemeClr>
+            </a:gs>
+            <a:gs pos="100000">
+              <a:schemeClr val="phClr">
+                <a:lumMod val="99000"/>
+                <a:satMod val="120000"/>
+                <a:shade val="78000"/>
+              </a:schemeClr>
+            </a:gs>
+          </a:gsLst>
+          <a:lin ang="5400000" scaled="0"/>
+        </a:gradFill>
+      </a:fillStyleLst>
+      <a:lnStyleLst>
+        <a:ln w="12700" cap="flat" cmpd="sng" algn="ctr">
+          <a:solidFill>
+            <a:schemeClr val="phClr"/>
+          </a:solidFill>
+          <a:prstDash val="solid"/>
+          <a:miter lim="800000"/>
+        </a:ln>
+        <a:ln w="19050" cap="flat" cmpd="sng" algn="ctr">
+          <a:solidFill>
+            <a:schemeClr val="phClr"/>
+          </a:solidFill>
+          <a:prstDash val="solid"/>
+          <a:miter lim="800000"/>
+        </a:ln>
+        <a:ln w="25400" cap="flat" cmpd="sng" algn="ctr">
+          <a:solidFill>
+            <a:schemeClr val="phClr"/>
+          </a:solidFill>
+          <a:prstDash val="solid"/>
+          <a:miter lim="800000"/>
+        </a:ln>
+      </a:lnStyleLst>
+      <a:effectStyleLst>
+        <a:effectStyle>
+          <a:effectLst/>
+        </a:effectStyle>
+        <a:effectStyle>
+          <a:effectLst/>
+        </a:effectStyle>
+        <a:effectStyle>
+          <a:effectLst>
+            <a:outerShdw blurRad="57150" dist="19050" dir="5400000" algn="ctr" rotWithShape="0">
+              <a:srgbClr val="000000">
+                <a:alpha val="63000"/>
+              </a:srgbClr>
+            </a:outerShdw>
+          </a:effectLst>
+        </a:effectStyle>
+      </a:effectStyleLst>
+      <a:bgFillStyleLst>
+        <a:solidFill>
+          <a:schemeClr val="phClr"/>
+        </a:solidFill>
+        <a:solidFill>
+          <a:schemeClr val="phClr">
+            <a:tint val="95000"/>
+            <a:satMod val="170000"/>
+          </a:schemeClr>
+        </a:solidFill>
+        <a:gradFill rotWithShape="1">
+          <a:gsLst>
+            <a:gs pos="0">
+              <a:schemeClr val="phClr">
+                <a:tint val="93000"/>
+                <a:satMod val="150000"/>
+                <a:shade val="98000"/>
+                <a:lumMod val="102000"/>
+              </a:schemeClr>
+            </a:gs>
+            <a:gs pos="50000">
+              <a:schemeClr val="phClr">
+                <a:tint val="98000"/>
+                <a:satMod val="130000"/>
+                <a:shade val="90000"/>
+                <a:lumMod val="103000"/>
+              </a:schemeClr>
+            </a:gs>
+            <a:gs pos="100000">
+              <a:schemeClr val="phClr">
+                <a:shade val="63000"/>
+                <a:satMod val="120000"/>
+              </a:schemeClr>
+            </a:gs>
+          </a:gsLst>
+          <a:lin ang="5400000" scaled="0"/>
+        </a:gradFill>
+      </a:bgFillStyleLst>
+    </a:fmtScheme>
+  </a:themeElements>
+  <a:objectDefaults>
+    <a:lnDef>
+      <a:spPr/>
+      <a:bodyPr/>
+      <a:lstStyle/>
+      <a:style>
+        <a:lnRef idx="2">
+          <a:schemeClr val="accent1"/>
+        </a:lnRef>
+        <a:fillRef idx="0">
+          <a:schemeClr val="accent1"/>
+        </a:fillRef>
+        <a:effectRef idx="1">
+          <a:schemeClr val="accent1"/>
+        </a:effectRef>
+        <a:fontRef idx="minor">
+          <a:schemeClr val="tx1"/>
+        </a:fontRef>
+      </a:style>
+    </a:lnDef>
+  </a:objectDefaults>
+  <a:extraClrSchemeLst/>
+  <a:extLst>
+    <a:ext uri="{05A4C25C-085E-4340-85A3-A5531E510DB2}">
+      <thm15:themeFamily xmlns:thm15="http://schemas.microsoft.com/office/thememl/2012/main" name="Office Theme" id="{2E142A2C-CD16-42D6-873A-C26D2A0506FA}" vid="{1BDDFF52-6CD6-40A5-AB3C-68EB2F1E4D0A}"/>
+    </a:ext>
+  </a:extLst>
+</a:theme>
 </file>
--- a/SamplePresentation.pptx
+++ b/SamplePresentation.pptx
@@ -5,13 +5,11 @@
     <p:sldMasterId id="2147483648" r:id="rId1"/>
   </p:sldMasterIdLst>
   <p:notesMasterIdLst>
-    <p:notesMasterId r:id="rId6"/>
+    <p:notesMasterId r:id="rId4"/>
   </p:notesMasterIdLst>
   <p:sldIdLst>
     <p:sldId id="256" r:id="rId2"/>
-    <p:sldId id="259" r:id="rId3"/>
-    <p:sldId id="258" r:id="rId4"/>
-    <p:sldId id="257" r:id="rId5"/>
+    <p:sldId id="257" r:id="rId3"/>
   </p:sldIdLst>
   <p:sldSz cx="9144000" cy="5143500" type="screen16x9"/>
   <p:notesSz cx="5143500" cy="9144000"/>
@@ -140,7 +138,7 @@
     </p:spTree>
     <p:extLst>
       <p:ext uri="{BB962C8B-B14F-4D97-AF65-F5344CB8AC3E}">
-        <p14:creationId xmlns:p14="http://schemas.microsoft.com/office/powerpoint/2010/main" val="3371536403"/>
+        <p14:creationId xmlns:p14="http://schemas.microsoft.com/office/powerpoint/2010/main" val="497970229"/>
       </p:ext>
     </p:extLst>
   </p:cSld>
@@ -389,7 +387,7 @@
           <a:p>
             <a:fld id="{F7021451-1387-4CA6-816F-3879F97B5CBC}" type="slidenum">
               <a:rPr lang="en-US"/>
-              <a:t>4</a:t>
+              <a:t>2</a:t>
             </a:fld>
             <a:endParaRPr lang="en-US"/>
           </a:p>
@@ -747,14 +745,41 @@
       </p:grpSpPr>
       <p:sp>
         <p:nvSpPr>
-          <p:cNvPr id="2" name="Text 0"/>
+          <p:cNvPr id="2" name="Shape 0"/>
           <p:cNvSpPr/>
           <p:nvPr/>
         </p:nvSpPr>
         <p:spPr>
           <a:xfrm>
-            <a:off x="2192785" y="1657350"/>
-            <a:ext cx="4572000" cy="1828800"/>
+            <a:off x="0" y="0"/>
+            <a:ext cx="162000" cy="5144400"/>
+          </a:xfrm>
+          <a:prstGeom prst="rect">
+            <a:avLst/>
+          </a:prstGeom>
+          <a:solidFill>
+            <a:srgbClr val="FFFFFF"/>
+          </a:solidFill>
+          <a:ln/>
+        </p:spPr>
+        <p:txBody>
+          <a:bodyPr/>
+          <a:lstStyle/>
+          <a:p>
+            <a:endParaRPr lang="en-VN"/>
+          </a:p>
+        </p:txBody>
+      </p:sp>
+      <p:sp>
+        <p:nvSpPr>
+          <p:cNvPr id="3" name="Text 1"/>
+          <p:cNvSpPr/>
+          <p:nvPr/>
+        </p:nvSpPr>
+        <p:spPr>
+          <a:xfrm>
+            <a:off x="622800" y="2253600"/>
+            <a:ext cx="5760000" cy="1620000"/>
           </a:xfrm>
           <a:prstGeom prst="rect">
             <a:avLst/>
@@ -766,7 +791,7 @@
           <a:bodyPr wrap="square" rtlCol="0" anchor="ctr"/>
           <a:lstStyle/>
           <a:p>
-            <a:pPr marL="0" indent="0" algn="ctr">
+            <a:pPr marL="0" indent="0" algn="l">
               <a:buNone/>
             </a:pPr>
             <a:r>
@@ -784,6 +809,45 @@
           </a:p>
         </p:txBody>
       </p:sp>
+      <p:sp>
+        <p:nvSpPr>
+          <p:cNvPr id="4" name="Text 2"/>
+          <p:cNvSpPr/>
+          <p:nvPr/>
+        </p:nvSpPr>
+        <p:spPr>
+          <a:xfrm>
+            <a:off x="622800" y="3628800"/>
+            <a:ext cx="7920000" cy="648000"/>
+          </a:xfrm>
+          <a:prstGeom prst="rect">
+            <a:avLst/>
+          </a:prstGeom>
+          <a:noFill/>
+          <a:ln/>
+        </p:spPr>
+        <p:txBody>
+          <a:bodyPr wrap="square" rtlCol="0" anchor="ctr"/>
+          <a:lstStyle/>
+          <a:p>
+            <a:pPr marL="0" indent="0" algn="l">
+              <a:buNone/>
+            </a:pPr>
+            <a:r>
+              <a:rPr lang="en-US" sz="1800" dirty="0">
+                <a:solidFill>
+                  <a:srgbClr val="D9D9D9"/>
+                </a:solidFill>
+                <a:latin typeface="Roboto" pitchFamily="34" charset="0"/>
+                <a:ea typeface="Roboto" pitchFamily="34" charset="-122"/>
+                <a:cs typeface="Roboto" pitchFamily="34" charset="-120"/>
+              </a:rPr>
+              <a:t>Subtitle Subtitle Subtitle</a:t>
+            </a:r>
+            <a:endParaRPr lang="en-US" sz="1800" dirty="0"/>
+          </a:p>
+        </p:txBody>
+      </p:sp>
     </p:spTree>
   </p:cSld>
   <p:clrMapOvr>
@@ -793,197 +857,6 @@
 </file>
 
 <file path=ppt/slides/slide2.xml><?xml version="1.0" encoding="utf-8"?>
-<p:sld xmlns:a="http://schemas.openxmlformats.org/drawingml/2006/main" xmlns:r="http://schemas.openxmlformats.org/officeDocument/2006/relationships" xmlns:p="http://schemas.openxmlformats.org/presentationml/2006/main">
-  <p:cSld>
-    <p:spTree>
-      <p:nvGrpSpPr>
-        <p:cNvPr id="1" name=""/>
-        <p:cNvGrpSpPr/>
-        <p:nvPr/>
-      </p:nvGrpSpPr>
-      <p:grpSpPr>
-        <a:xfrm>
-          <a:off x="0" y="0"/>
-          <a:ext cx="0" cy="0"/>
-          <a:chOff x="0" y="0"/>
-          <a:chExt cx="0" cy="0"/>
-        </a:xfrm>
-      </p:grpSpPr>
-    </p:spTree>
-    <p:extLst>
-      <p:ext uri="{BB962C8B-B14F-4D97-AF65-F5344CB8AC3E}">
-        <p14:creationId xmlns:p14="http://schemas.microsoft.com/office/powerpoint/2010/main" val="1235615735"/>
-      </p:ext>
-    </p:extLst>
-  </p:cSld>
-  <p:clrMapOvr>
-    <a:masterClrMapping/>
-  </p:clrMapOvr>
-</p:sld>
-</file>
-
-<file path=ppt/slides/slide3.xml><?xml version="1.0" encoding="utf-8"?>
-<p:sld xmlns:a="http://schemas.openxmlformats.org/drawingml/2006/main" xmlns:r="http://schemas.openxmlformats.org/officeDocument/2006/relationships" xmlns:p="http://schemas.openxmlformats.org/presentationml/2006/main">
-  <p:cSld>
-    <p:spTree>
-      <p:nvGrpSpPr>
-        <p:cNvPr id="1" name=""/>
-        <p:cNvGrpSpPr/>
-        <p:nvPr/>
-      </p:nvGrpSpPr>
-      <p:grpSpPr>
-        <a:xfrm>
-          <a:off x="0" y="0"/>
-          <a:ext cx="0" cy="0"/>
-          <a:chOff x="0" y="0"/>
-          <a:chExt cx="0" cy="0"/>
-        </a:xfrm>
-      </p:grpSpPr>
-      <p:sp>
-        <p:nvSpPr>
-          <p:cNvPr id="2" name="TextBox 1">
-            <a:extLst>
-              <a:ext uri="{FF2B5EF4-FFF2-40B4-BE49-F238E27FC236}">
-                <a16:creationId xmlns:a16="http://schemas.microsoft.com/office/drawing/2014/main" id="{A3237BF3-B524-0F2F-72F7-8067F82671F4}"/>
-              </a:ext>
-            </a:extLst>
-          </p:cNvPr>
-          <p:cNvSpPr txBox="1"/>
-          <p:nvPr/>
-        </p:nvSpPr>
-        <p:spPr>
-          <a:xfrm>
-            <a:off x="124287" y="0"/>
-            <a:ext cx="8096200" cy="461665"/>
-          </a:xfrm>
-          <a:prstGeom prst="rect">
-            <a:avLst/>
-          </a:prstGeom>
-          <a:noFill/>
-        </p:spPr>
-        <p:txBody>
-          <a:bodyPr wrap="square" rtlCol="0">
-            <a:spAutoFit/>
-          </a:bodyPr>
-          <a:lstStyle/>
-          <a:p>
-            <a:r>
-              <a:rPr lang="en-VN" sz="2400" dirty="0">
-                <a:solidFill>
-                  <a:srgbClr val="305597"/>
-                </a:solidFill>
-                <a:latin typeface="Roboto" panose="02000000000000000000" pitchFamily="2" charset="0"/>
-                <a:ea typeface="Roboto" panose="02000000000000000000" pitchFamily="2" charset="0"/>
-                <a:cs typeface="Roboto" panose="02000000000000000000" pitchFamily="2" charset="0"/>
-              </a:rPr>
-              <a:t>Brand Introduction</a:t>
-            </a:r>
-          </a:p>
-        </p:txBody>
-      </p:sp>
-      <p:sp>
-        <p:nvSpPr>
-          <p:cNvPr id="3" name="TextBox 2">
-            <a:extLst>
-              <a:ext uri="{FF2B5EF4-FFF2-40B4-BE49-F238E27FC236}">
-                <a16:creationId xmlns:a16="http://schemas.microsoft.com/office/drawing/2014/main" id="{500C3252-EDA3-09A9-EC69-2658E73ED5C1}"/>
-              </a:ext>
-            </a:extLst>
-          </p:cNvPr>
-          <p:cNvSpPr txBox="1"/>
-          <p:nvPr/>
-        </p:nvSpPr>
-        <p:spPr>
-          <a:xfrm>
-            <a:off x="629788" y="1412373"/>
-            <a:ext cx="671979" cy="369332"/>
-          </a:xfrm>
-          <a:prstGeom prst="rect">
-            <a:avLst/>
-          </a:prstGeom>
-          <a:noFill/>
-        </p:spPr>
-        <p:txBody>
-          <a:bodyPr wrap="square" rtlCol="0">
-            <a:spAutoFit/>
-          </a:bodyPr>
-          <a:lstStyle/>
-          <a:p>
-            <a:r>
-              <a:rPr lang="en-VN" dirty="0"/>
-              <a:t>Hello</a:t>
-            </a:r>
-          </a:p>
-        </p:txBody>
-      </p:sp>
-      <p:sp>
-        <p:nvSpPr>
-          <p:cNvPr id="4" name="Rectangle 3">
-            <a:extLst>
-              <a:ext uri="{FF2B5EF4-FFF2-40B4-BE49-F238E27FC236}">
-                <a16:creationId xmlns:a16="http://schemas.microsoft.com/office/drawing/2014/main" id="{865B09FF-1984-D67A-16B2-34311291A334}"/>
-              </a:ext>
-            </a:extLst>
-          </p:cNvPr>
-          <p:cNvSpPr/>
-          <p:nvPr/>
-        </p:nvSpPr>
-        <p:spPr>
-          <a:xfrm>
-            <a:off x="1" y="0"/>
-            <a:ext cx="124286" cy="5282214"/>
-          </a:xfrm>
-          <a:prstGeom prst="rect">
-            <a:avLst/>
-          </a:prstGeom>
-          <a:solidFill>
-            <a:srgbClr val="305598"/>
-          </a:solidFill>
-          <a:ln>
-            <a:solidFill>
-              <a:srgbClr val="305598"/>
-            </a:solidFill>
-          </a:ln>
-        </p:spPr>
-        <p:style>
-          <a:lnRef idx="2">
-            <a:schemeClr val="accent1">
-              <a:shade val="15000"/>
-            </a:schemeClr>
-          </a:lnRef>
-          <a:fillRef idx="1">
-            <a:schemeClr val="accent1"/>
-          </a:fillRef>
-          <a:effectRef idx="0">
-            <a:schemeClr val="accent1"/>
-          </a:effectRef>
-          <a:fontRef idx="minor">
-            <a:schemeClr val="lt1"/>
-          </a:fontRef>
-        </p:style>
-        <p:txBody>
-          <a:bodyPr rtlCol="0" anchor="ctr"/>
-          <a:lstStyle/>
-          <a:p>
-            <a:pPr algn="ctr"/>
-            <a:endParaRPr lang="en-VN"/>
-          </a:p>
-        </p:txBody>
-      </p:sp>
-    </p:spTree>
-    <p:extLst>
-      <p:ext uri="{BB962C8B-B14F-4D97-AF65-F5344CB8AC3E}">
-        <p14:creationId xmlns:p14="http://schemas.microsoft.com/office/powerpoint/2010/main" val="2164056994"/>
-      </p:ext>
-    </p:extLst>
-  </p:cSld>
-  <p:clrMapOvr>
-    <a:masterClrMapping/>
-  </p:clrMapOvr>
-</p:sld>
-</file>
-
-<file path=ppt/slides/slide4.xml><?xml version="1.0" encoding="utf-8"?>
 <p:sld xmlns:a="http://schemas.openxmlformats.org/drawingml/2006/main" xmlns:r="http://schemas.openxmlformats.org/officeDocument/2006/relationships" xmlns:p="http://schemas.openxmlformats.org/presentationml/2006/main">
   <p:cSld name="Slide 2">
     <p:spTree>
@@ -1008,8 +881,8 @@
         </p:nvSpPr>
         <p:spPr>
           <a:xfrm>
-            <a:off x="0" y="0"/>
-            <a:ext cx="6858000" cy="0"/>
+            <a:off x="252000" y="0"/>
+            <a:ext cx="8280000" cy="720000"/>
           </a:xfrm>
           <a:prstGeom prst="rect">
             <a:avLst/>
@@ -1027,7 +900,7 @@
               <a:buNone/>
             </a:pPr>
             <a:r>
-              <a:rPr lang="en-US" sz="3200" b="1" dirty="0">
+              <a:rPr lang="en-US" b="1" dirty="0">
                 <a:solidFill>
                   <a:srgbClr val="305597"/>
                 </a:solidFill>
@@ -1037,7 +910,144 @@
               </a:rPr>
               <a:t>First Heading</a:t>
             </a:r>
-            <a:endParaRPr lang="en-US" sz="3200" dirty="0"/>
+            <a:endParaRPr lang="en-US" dirty="0"/>
+          </a:p>
+        </p:txBody>
+      </p:sp>
+      <p:sp>
+        <p:nvSpPr>
+          <p:cNvPr id="3" name="Shape 0">
+            <a:extLst>
+              <a:ext uri="{FF2B5EF4-FFF2-40B4-BE49-F238E27FC236}">
+                <a16:creationId xmlns:a16="http://schemas.microsoft.com/office/drawing/2014/main" id="{F842763B-1F77-D599-C132-25EBC827902A}"/>
+              </a:ext>
+            </a:extLst>
+          </p:cNvPr>
+          <p:cNvSpPr/>
+          <p:nvPr/>
+        </p:nvSpPr>
+        <p:spPr>
+          <a:xfrm>
+            <a:off x="0" y="0"/>
+            <a:ext cx="162000" cy="5144400"/>
+          </a:xfrm>
+          <a:prstGeom prst="rect">
+            <a:avLst/>
+          </a:prstGeom>
+          <a:solidFill>
+            <a:srgbClr val="305598"/>
+          </a:solidFill>
+          <a:ln>
+            <a:solidFill>
+              <a:schemeClr val="accent1"/>
+            </a:solidFill>
+          </a:ln>
+        </p:spPr>
+        <p:txBody>
+          <a:bodyPr/>
+          <a:lstStyle/>
+          <a:p>
+            <a:endParaRPr lang="en-VN"/>
+          </a:p>
+        </p:txBody>
+      </p:sp>
+      <p:sp>
+        <p:nvSpPr>
+          <p:cNvPr id="4" name="Text 0">
+            <a:extLst>
+              <a:ext uri="{FF2B5EF4-FFF2-40B4-BE49-F238E27FC236}">
+                <a16:creationId xmlns:a16="http://schemas.microsoft.com/office/drawing/2014/main" id="{16CF5AA5-12CD-6098-1BB9-6A88471BF7CC}"/>
+              </a:ext>
+            </a:extLst>
+          </p:cNvPr>
+          <p:cNvSpPr/>
+          <p:nvPr/>
+        </p:nvSpPr>
+        <p:spPr>
+          <a:xfrm>
+            <a:off x="252000" y="720000"/>
+            <a:ext cx="8280000" cy="3960000"/>
+          </a:xfrm>
+          <a:prstGeom prst="rect">
+            <a:avLst/>
+          </a:prstGeom>
+          <a:solidFill>
+            <a:srgbClr val="FFFFFF"/>
+          </a:solidFill>
+          <a:ln/>
+        </p:spPr>
+        <p:txBody>
+          <a:bodyPr wrap="square" rtlCol="0" anchor="t"/>
+          <a:lstStyle/>
+          <a:p>
+            <a:pPr marL="0" indent="0" algn="l">
+              <a:buNone/>
+            </a:pPr>
+            <a:r>
+              <a:rPr lang="en-US" sz="1200" dirty="0">
+                <a:solidFill>
+                  <a:srgbClr val="2D2C2C"/>
+                </a:solidFill>
+                <a:latin typeface="Roboto" pitchFamily="34" charset="0"/>
+                <a:ea typeface="Roboto" pitchFamily="34" charset="-122"/>
+                <a:cs typeface="Roboto" pitchFamily="34" charset="-120"/>
+              </a:rPr>
+              <a:t>Text</a:t>
+            </a:r>
+            <a:endParaRPr lang="en-US" sz="1200" dirty="0">
+              <a:solidFill>
+                <a:srgbClr val="2D2C2C"/>
+              </a:solidFill>
+            </a:endParaRPr>
+          </a:p>
+        </p:txBody>
+      </p:sp>
+      <p:sp>
+        <p:nvSpPr>
+          <p:cNvPr id="5" name="Text 0">
+            <a:extLst>
+              <a:ext uri="{FF2B5EF4-FFF2-40B4-BE49-F238E27FC236}">
+                <a16:creationId xmlns:a16="http://schemas.microsoft.com/office/drawing/2014/main" id="{775ECD0D-4F35-DD96-A742-D5B84A7E2E78}"/>
+              </a:ext>
+            </a:extLst>
+          </p:cNvPr>
+          <p:cNvSpPr/>
+          <p:nvPr/>
+        </p:nvSpPr>
+        <p:spPr>
+          <a:xfrm>
+            <a:off x="8755680" y="4829568"/>
+            <a:ext cx="252840" cy="221463"/>
+          </a:xfrm>
+          <a:prstGeom prst="rect">
+            <a:avLst/>
+          </a:prstGeom>
+          <a:noFill/>
+          <a:ln/>
+        </p:spPr>
+        <p:txBody>
+          <a:bodyPr wrap="square" rtlCol="0" anchor="t"/>
+          <a:lstStyle/>
+          <a:p>
+            <a:pPr marL="0" indent="0" algn="ctr">
+              <a:buNone/>
+            </a:pPr>
+            <a:r>
+              <a:rPr lang="en-US" sz="800" dirty="0">
+                <a:solidFill>
+                  <a:srgbClr val="D9D9D9"/>
+                </a:solidFill>
+                <a:latin typeface="Roboto" pitchFamily="34" charset="0"/>
+                <a:ea typeface="Roboto" pitchFamily="34" charset="-122"/>
+                <a:cs typeface="Roboto" pitchFamily="34" charset="-120"/>
+              </a:rPr>
+              <a:t>2</a:t>
+            </a:r>
+            <a:endParaRPr lang="en-US" sz="800" dirty="0">
+              <a:solidFill>
+                <a:srgbClr val="D9D9D9"/>
+              </a:solidFill>
+            </a:endParaRPr>
           </a:p>
         </p:txBody>
       </p:sp>
